--- a/docs/excel/nonPolicePresentation.pptx
+++ b/docs/excel/nonPolicePresentation.pptx
@@ -11,6 +11,7 @@
     <p:sldId id="259" r:id="rId5"/>
     <p:sldId id="260" r:id="rId6"/>
     <p:sldId id="261" r:id="rId7"/>
+    <p:sldId id="262" r:id="rId8"/>
   </p:sldIdLst>
   <p:sldSz cx="12192000" cy="6858000"/>
   <p:notesSz cx="6858000" cy="9144000"/>
@@ -109,6 +110,11 @@
       </a:defRPr>
     </a:lvl9pPr>
   </p:defaultTextStyle>
+  <p:extLst>
+    <p:ext uri="{EFAFB233-063F-42B5-8137-9DF3F51BA10A}">
+      <p15:sldGuideLst xmlns:p15="http://schemas.microsoft.com/office/powerpoint/2012/main"/>
+    </p:ext>
+  </p:extLst>
 </p:presentation>
 </file>
 
@@ -285,11 +291,11 @@
           <c:showBubbleSize val="0"/>
         </c:dLbls>
         <c:smooth val="0"/>
-        <c:axId val="-468435328"/>
-        <c:axId val="-468443488"/>
+        <c:axId val="-1441298016"/>
+        <c:axId val="-1441297472"/>
       </c:lineChart>
       <c:catAx>
-        <c:axId val="-468435328"/>
+        <c:axId val="-1441298016"/>
         <c:scaling>
           <c:orientation val="minMax"/>
         </c:scaling>
@@ -332,7 +338,7 @@
             <a:endParaRPr lang="en-US"/>
           </a:p>
         </c:txPr>
-        <c:crossAx val="-468443488"/>
+        <c:crossAx val="-1441297472"/>
         <c:crosses val="autoZero"/>
         <c:auto val="1"/>
         <c:lblAlgn val="ctr"/>
@@ -340,7 +346,7 @@
         <c:noMultiLvlLbl val="0"/>
       </c:catAx>
       <c:valAx>
-        <c:axId val="-468443488"/>
+        <c:axId val="-1441297472"/>
         <c:scaling>
           <c:orientation val="minMax"/>
         </c:scaling>
@@ -391,7 +397,7 @@
             <a:endParaRPr lang="en-US"/>
           </a:p>
         </c:txPr>
-        <c:crossAx val="-468435328"/>
+        <c:crossAx val="-1441298016"/>
         <c:crosses val="autoZero"/>
         <c:crossBetween val="between"/>
       </c:valAx>
@@ -603,11 +609,11 @@
           <c:showBubbleSize val="0"/>
         </c:dLbls>
         <c:smooth val="0"/>
-        <c:axId val="-341212448"/>
-        <c:axId val="-341210816"/>
+        <c:axId val="-1441312160"/>
+        <c:axId val="-1441311616"/>
       </c:lineChart>
       <c:catAx>
-        <c:axId val="-341212448"/>
+        <c:axId val="-1441312160"/>
         <c:scaling>
           <c:orientation val="minMax"/>
         </c:scaling>
@@ -650,7 +656,7 @@
             <a:endParaRPr lang="en-US"/>
           </a:p>
         </c:txPr>
-        <c:crossAx val="-341210816"/>
+        <c:crossAx val="-1441311616"/>
         <c:crosses val="autoZero"/>
         <c:auto val="1"/>
         <c:lblAlgn val="ctr"/>
@@ -658,7 +664,7 @@
         <c:noMultiLvlLbl val="0"/>
       </c:catAx>
       <c:valAx>
-        <c:axId val="-341210816"/>
+        <c:axId val="-1441311616"/>
         <c:scaling>
           <c:orientation val="minMax"/>
         </c:scaling>
@@ -709,7 +715,7 @@
             <a:endParaRPr lang="en-US"/>
           </a:p>
         </c:txPr>
-        <c:crossAx val="-341212448"/>
+        <c:crossAx val="-1441312160"/>
         <c:crosses val="autoZero"/>
         <c:crossBetween val="between"/>
       </c:valAx>
@@ -5134,11 +5140,7 @@
             </a:r>
             <a:r>
               <a:rPr lang="en-US" dirty="0" smtClean="0"/>
-              <a:t>().</a:t>
-            </a:r>
-            <a:r>
-              <a:rPr lang="en-US" dirty="0" smtClean="0"/>
-              <a:t> </a:t>
+              <a:t>(). </a:t>
             </a:r>
             <a:r>
               <a:rPr lang="en-US" dirty="0" err="1" smtClean="0"/>
@@ -5715,10 +5717,302 @@
           </a:p>
         </p:txBody>
       </p:sp>
+      <p:sp>
+        <p:nvSpPr>
+          <p:cNvPr id="3" name="Lightning Bolt 2"/>
+          <p:cNvSpPr/>
+          <p:nvPr/>
+        </p:nvSpPr>
+        <p:spPr>
+          <a:xfrm>
+            <a:off x="3028949" y="3914775"/>
+            <a:ext cx="1743075" cy="828675"/>
+          </a:xfrm>
+          <a:prstGeom prst="lightningBolt">
+            <a:avLst/>
+          </a:prstGeom>
+        </p:spPr>
+        <p:style>
+          <a:lnRef idx="2">
+            <a:schemeClr val="accent4">
+              <a:shade val="50000"/>
+            </a:schemeClr>
+          </a:lnRef>
+          <a:fillRef idx="1">
+            <a:schemeClr val="accent4"/>
+          </a:fillRef>
+          <a:effectRef idx="0">
+            <a:schemeClr val="accent4"/>
+          </a:effectRef>
+          <a:fontRef idx="minor">
+            <a:schemeClr val="lt1"/>
+          </a:fontRef>
+        </p:style>
+        <p:txBody>
+          <a:bodyPr rtlCol="0" anchor="ctr"/>
+          <a:lstStyle/>
+          <a:p>
+            <a:pPr algn="ctr"/>
+            <a:endParaRPr lang="en-US"/>
+          </a:p>
+        </p:txBody>
+      </p:sp>
     </p:spTree>
     <p:extLst>
       <p:ext uri="{BB962C8B-B14F-4D97-AF65-F5344CB8AC3E}">
         <p14:creationId xmlns:p14="http://schemas.microsoft.com/office/powerpoint/2010/main" val="1370524565"/>
+      </p:ext>
+    </p:extLst>
+  </p:cSld>
+  <p:clrMapOvr>
+    <a:masterClrMapping/>
+  </p:clrMapOvr>
+</p:sld>
+</file>
+
+<file path=ppt/slides/slide7.xml><?xml version="1.0" encoding="utf-8"?>
+<p:sld xmlns:a="http://schemas.openxmlformats.org/drawingml/2006/main" xmlns:r="http://schemas.openxmlformats.org/officeDocument/2006/relationships" xmlns:p="http://schemas.openxmlformats.org/presentationml/2006/main">
+  <p:cSld>
+    <p:spTree>
+      <p:nvGrpSpPr>
+        <p:cNvPr id="1" name=""/>
+        <p:cNvGrpSpPr/>
+        <p:nvPr/>
+      </p:nvGrpSpPr>
+      <p:grpSpPr>
+        <a:xfrm>
+          <a:off x="0" y="0"/>
+          <a:ext cx="0" cy="0"/>
+          <a:chOff x="0" y="0"/>
+          <a:chExt cx="0" cy="0"/>
+        </a:xfrm>
+      </p:grpSpPr>
+      <p:sp>
+        <p:nvSpPr>
+          <p:cNvPr id="2" name="Title 1"/>
+          <p:cNvSpPr>
+            <a:spLocks noGrp="1"/>
+          </p:cNvSpPr>
+          <p:nvPr>
+            <p:ph type="title"/>
+          </p:nvPr>
+        </p:nvSpPr>
+        <p:spPr/>
+        <p:txBody>
+          <a:bodyPr/>
+          <a:lstStyle/>
+          <a:p>
+            <a:r>
+              <a:rPr lang="en-US" dirty="0" smtClean="0"/>
+              <a:t>Report</a:t>
+            </a:r>
+            <a:endParaRPr lang="en-US" dirty="0"/>
+          </a:p>
+        </p:txBody>
+      </p:sp>
+      <p:sp>
+        <p:nvSpPr>
+          <p:cNvPr id="3" name="Content Placeholder 2"/>
+          <p:cNvSpPr>
+            <a:spLocks noGrp="1"/>
+          </p:cNvSpPr>
+          <p:nvPr>
+            <p:ph idx="1"/>
+          </p:nvPr>
+        </p:nvSpPr>
+        <p:spPr/>
+        <p:txBody>
+          <a:bodyPr>
+            <a:normAutofit fontScale="85000" lnSpcReduction="20000"/>
+          </a:bodyPr>
+          <a:lstStyle/>
+          <a:p>
+            <a:r>
+              <a:rPr lang="en-US" dirty="0" smtClean="0"/>
+              <a:t>Shell: </a:t>
+            </a:r>
+          </a:p>
+          <a:p>
+            <a:pPr lvl="1"/>
+            <a:r>
+              <a:rPr lang="en-US" dirty="0" smtClean="0"/>
+              <a:t>100 </a:t>
+            </a:r>
+            <a:r>
+              <a:rPr lang="en-US" dirty="0" err="1" smtClean="0"/>
+              <a:t>scipts</a:t>
+            </a:r>
+            <a:r>
+              <a:rPr lang="en-US" dirty="0" smtClean="0"/>
+              <a:t> per server</a:t>
+            </a:r>
+          </a:p>
+          <a:p>
+            <a:pPr lvl="1"/>
+            <a:r>
+              <a:rPr lang="en-US" dirty="0" smtClean="0"/>
+              <a:t>Management </a:t>
+            </a:r>
+            <a:r>
+              <a:rPr lang="en-US" dirty="0" err="1" smtClean="0"/>
+              <a:t>syetsm</a:t>
+            </a:r>
+            <a:r>
+              <a:rPr lang="en-US" dirty="0" smtClean="0"/>
+              <a:t> shell scripts</a:t>
+            </a:r>
+          </a:p>
+          <a:p>
+            <a:pPr lvl="1"/>
+            <a:r>
+              <a:rPr lang="en-US" dirty="0" smtClean="0"/>
+              <a:t>95% </a:t>
+            </a:r>
+            <a:r>
+              <a:rPr lang="en-US" dirty="0" err="1" smtClean="0"/>
+              <a:t>missied</a:t>
+            </a:r>
+            <a:r>
+              <a:rPr lang="en-US" dirty="0" smtClean="0"/>
+              <a:t> conversion (shell to java) – Reusable Code, Consulting Hours</a:t>
+            </a:r>
+          </a:p>
+          <a:p>
+            <a:r>
+              <a:rPr lang="en-US" dirty="0" smtClean="0"/>
+              <a:t>Java: </a:t>
+            </a:r>
+          </a:p>
+          <a:p>
+            <a:r>
+              <a:rPr lang="en-US" dirty="0" smtClean="0"/>
+              <a:t>J2EE: </a:t>
+            </a:r>
+            <a:endParaRPr lang="en-US" dirty="0"/>
+          </a:p>
+          <a:p>
+            <a:pPr lvl="1"/>
+            <a:r>
+              <a:rPr lang="en-US" dirty="0"/>
+              <a:t>100 </a:t>
+            </a:r>
+            <a:r>
+              <a:rPr lang="en-US" dirty="0" err="1"/>
+              <a:t>scipts</a:t>
+            </a:r>
+            <a:r>
+              <a:rPr lang="en-US" dirty="0"/>
+              <a:t> per server</a:t>
+            </a:r>
+          </a:p>
+          <a:p>
+            <a:r>
+              <a:rPr lang="en-US" dirty="0" err="1" smtClean="0"/>
+              <a:t>WebService</a:t>
+            </a:r>
+            <a:r>
+              <a:rPr lang="en-US" dirty="0" smtClean="0"/>
+              <a:t>: </a:t>
+            </a:r>
+            <a:endParaRPr lang="en-US" dirty="0"/>
+          </a:p>
+          <a:p>
+            <a:pPr lvl="1"/>
+            <a:r>
+              <a:rPr lang="en-US" dirty="0"/>
+              <a:t>100 </a:t>
+            </a:r>
+            <a:r>
+              <a:rPr lang="en-US" dirty="0" err="1"/>
+              <a:t>scipts</a:t>
+            </a:r>
+            <a:r>
+              <a:rPr lang="en-US" dirty="0"/>
+              <a:t> per </a:t>
+            </a:r>
+            <a:r>
+              <a:rPr lang="en-US" dirty="0" smtClean="0"/>
+              <a:t>server</a:t>
+            </a:r>
+          </a:p>
+          <a:p>
+            <a:r>
+              <a:rPr lang="en-US" dirty="0" smtClean="0"/>
+              <a:t>TP/F, Assembly: </a:t>
+            </a:r>
+            <a:endParaRPr lang="en-US" dirty="0"/>
+          </a:p>
+          <a:p>
+            <a:pPr lvl="1"/>
+            <a:r>
+              <a:rPr lang="en-US" dirty="0" err="1" smtClean="0"/>
+              <a:t>Assmbley</a:t>
+            </a:r>
+            <a:r>
+              <a:rPr lang="en-US" dirty="0" smtClean="0"/>
+              <a:t>, C++ i.e. ATM, FIPS(federal bank processing), ACH (automated check clearing house)</a:t>
+            </a:r>
+          </a:p>
+          <a:p>
+            <a:pPr lvl="1"/>
+            <a:r>
+              <a:rPr lang="en-US" dirty="0" smtClean="0"/>
+              <a:t>Code that is completed (1970 ACH Visa Retail), IBM </a:t>
+            </a:r>
+            <a:r>
+              <a:rPr lang="en-US" dirty="0" err="1" smtClean="0"/>
+              <a:t>Disgugued</a:t>
+            </a:r>
+            <a:r>
+              <a:rPr lang="en-US" dirty="0" smtClean="0"/>
+              <a:t> Engineer (</a:t>
+            </a:r>
+            <a:r>
+              <a:rPr lang="en-US" dirty="0" err="1" smtClean="0"/>
+              <a:t>Cyberoruce</a:t>
+            </a:r>
+            <a:r>
+              <a:rPr lang="en-US" dirty="0" smtClean="0"/>
+              <a:t>, Burned in Chip), IBM Mainframe Security( Burned in Memory)</a:t>
+            </a:r>
+            <a:endParaRPr lang="en-US" dirty="0"/>
+          </a:p>
+          <a:p>
+            <a:pPr lvl="1"/>
+            <a:endParaRPr lang="en-US" dirty="0"/>
+          </a:p>
+          <a:p>
+            <a:pPr marL="457200" lvl="1" indent="0">
+              <a:buNone/>
+            </a:pPr>
+            <a:endParaRPr lang="en-US" dirty="0"/>
+          </a:p>
+          <a:p>
+            <a:pPr marL="457200" lvl="1" indent="0">
+              <a:buNone/>
+            </a:pPr>
+            <a:endParaRPr lang="en-US" dirty="0" smtClean="0"/>
+          </a:p>
+          <a:p>
+            <a:pPr marL="1371600" lvl="3" indent="0">
+              <a:buNone/>
+            </a:pPr>
+            <a:endParaRPr lang="en-US" dirty="0"/>
+          </a:p>
+          <a:p>
+            <a:pPr lvl="1"/>
+            <a:endParaRPr lang="en-US" dirty="0" smtClean="0"/>
+          </a:p>
+          <a:p>
+            <a:pPr lvl="1"/>
+            <a:endParaRPr lang="en-US" dirty="0"/>
+          </a:p>
+        </p:txBody>
+      </p:sp>
+    </p:spTree>
+    <p:extLst>
+      <p:ext uri="{BB962C8B-B14F-4D97-AF65-F5344CB8AC3E}">
+        <p14:creationId xmlns:p14="http://schemas.microsoft.com/office/powerpoint/2010/main" val="4039913103"/>
       </p:ext>
     </p:extLst>
   </p:cSld>

--- a/docs/excel/nonPolicePresentation.pptx
+++ b/docs/excel/nonPolicePresentation.pptx
@@ -12,6 +12,9 @@
     <p:sldId id="260" r:id="rId6"/>
     <p:sldId id="261" r:id="rId7"/>
     <p:sldId id="262" r:id="rId8"/>
+    <p:sldId id="263" r:id="rId9"/>
+    <p:sldId id="264" r:id="rId10"/>
+    <p:sldId id="265" r:id="rId11"/>
   </p:sldIdLst>
   <p:sldSz cx="12192000" cy="6858000"/>
   <p:notesSz cx="6858000" cy="9144000"/>
@@ -291,11 +294,11 @@
           <c:showBubbleSize val="0"/>
         </c:dLbls>
         <c:smooth val="0"/>
-        <c:axId val="-1441298016"/>
-        <c:axId val="-1441297472"/>
+        <c:axId val="1690260752"/>
+        <c:axId val="1690268912"/>
       </c:lineChart>
       <c:catAx>
-        <c:axId val="-1441298016"/>
+        <c:axId val="1690260752"/>
         <c:scaling>
           <c:orientation val="minMax"/>
         </c:scaling>
@@ -338,7 +341,7 @@
             <a:endParaRPr lang="en-US"/>
           </a:p>
         </c:txPr>
-        <c:crossAx val="-1441297472"/>
+        <c:crossAx val="1690268912"/>
         <c:crosses val="autoZero"/>
         <c:auto val="1"/>
         <c:lblAlgn val="ctr"/>
@@ -346,7 +349,7 @@
         <c:noMultiLvlLbl val="0"/>
       </c:catAx>
       <c:valAx>
-        <c:axId val="-1441297472"/>
+        <c:axId val="1690268912"/>
         <c:scaling>
           <c:orientation val="minMax"/>
         </c:scaling>
@@ -397,7 +400,7 @@
             <a:endParaRPr lang="en-US"/>
           </a:p>
         </c:txPr>
-        <c:crossAx val="-1441298016"/>
+        <c:crossAx val="1690260752"/>
         <c:crosses val="autoZero"/>
         <c:crossBetween val="between"/>
       </c:valAx>
@@ -609,11 +612,11 @@
           <c:showBubbleSize val="0"/>
         </c:dLbls>
         <c:smooth val="0"/>
-        <c:axId val="-1441312160"/>
-        <c:axId val="-1441311616"/>
+        <c:axId val="1500514000"/>
+        <c:axId val="1706214000"/>
       </c:lineChart>
       <c:catAx>
-        <c:axId val="-1441312160"/>
+        <c:axId val="1500514000"/>
         <c:scaling>
           <c:orientation val="minMax"/>
         </c:scaling>
@@ -656,7 +659,7 @@
             <a:endParaRPr lang="en-US"/>
           </a:p>
         </c:txPr>
-        <c:crossAx val="-1441311616"/>
+        <c:crossAx val="1706214000"/>
         <c:crosses val="autoZero"/>
         <c:auto val="1"/>
         <c:lblAlgn val="ctr"/>
@@ -664,7 +667,7 @@
         <c:noMultiLvlLbl val="0"/>
       </c:catAx>
       <c:valAx>
-        <c:axId val="-1441311616"/>
+        <c:axId val="1706214000"/>
         <c:scaling>
           <c:orientation val="minMax"/>
         </c:scaling>
@@ -715,7 +718,7 @@
             <a:endParaRPr lang="en-US"/>
           </a:p>
         </c:txPr>
-        <c:crossAx val="-1441312160"/>
+        <c:crossAx val="1500514000"/>
         <c:crosses val="autoZero"/>
         <c:crossBetween val="between"/>
       </c:valAx>
@@ -4794,6 +4797,175 @@
 </p:sld>
 </file>
 
+<file path=ppt/slides/slide10.xml><?xml version="1.0" encoding="utf-8"?>
+<p:sld xmlns:a="http://schemas.openxmlformats.org/drawingml/2006/main" xmlns:r="http://schemas.openxmlformats.org/officeDocument/2006/relationships" xmlns:p="http://schemas.openxmlformats.org/presentationml/2006/main">
+  <p:cSld>
+    <p:spTree>
+      <p:nvGrpSpPr>
+        <p:cNvPr id="1" name=""/>
+        <p:cNvGrpSpPr/>
+        <p:nvPr/>
+      </p:nvGrpSpPr>
+      <p:grpSpPr>
+        <a:xfrm>
+          <a:off x="0" y="0"/>
+          <a:ext cx="0" cy="0"/>
+          <a:chOff x="0" y="0"/>
+          <a:chExt cx="0" cy="0"/>
+        </a:xfrm>
+      </p:grpSpPr>
+      <p:sp>
+        <p:nvSpPr>
+          <p:cNvPr id="2" name="Title 1"/>
+          <p:cNvSpPr>
+            <a:spLocks noGrp="1"/>
+          </p:cNvSpPr>
+          <p:nvPr>
+            <p:ph type="title"/>
+          </p:nvPr>
+        </p:nvSpPr>
+        <p:spPr/>
+        <p:txBody>
+          <a:bodyPr/>
+          <a:lstStyle/>
+          <a:p>
+            <a:r>
+              <a:rPr lang="en-US" dirty="0" smtClean="0"/>
+              <a:t>T/PF, Assembly</a:t>
+            </a:r>
+            <a:br>
+              <a:rPr lang="en-US" dirty="0" smtClean="0"/>
+            </a:br>
+            <a:endParaRPr lang="en-US" dirty="0"/>
+          </a:p>
+        </p:txBody>
+      </p:sp>
+      <p:pic>
+        <p:nvPicPr>
+          <p:cNvPr id="9" name="Picture 8"/>
+          <p:cNvPicPr>
+            <a:picLocks noChangeAspect="1"/>
+          </p:cNvPicPr>
+          <p:nvPr/>
+        </p:nvPicPr>
+        <p:blipFill>
+          <a:blip r:embed="rId2" cstate="print">
+            <a:extLst>
+              <a:ext uri="{28A0092B-C50C-407E-A947-70E740481C1C}">
+                <a14:useLocalDpi xmlns:a14="http://schemas.microsoft.com/office/drawing/2010/main" val="0"/>
+              </a:ext>
+            </a:extLst>
+          </a:blip>
+          <a:stretch>
+            <a:fillRect/>
+          </a:stretch>
+        </p:blipFill>
+        <p:spPr>
+          <a:xfrm>
+            <a:off x="7781925" y="672862"/>
+            <a:ext cx="3571875" cy="4271962"/>
+          </a:xfrm>
+          <a:prstGeom prst="rect">
+            <a:avLst/>
+          </a:prstGeom>
+        </p:spPr>
+      </p:pic>
+      <p:pic>
+        <p:nvPicPr>
+          <p:cNvPr id="5" name="Picture 4"/>
+          <p:cNvPicPr>
+            <a:picLocks noChangeAspect="1"/>
+          </p:cNvPicPr>
+          <p:nvPr/>
+        </p:nvPicPr>
+        <p:blipFill>
+          <a:blip r:embed="rId3"/>
+          <a:stretch>
+            <a:fillRect/>
+          </a:stretch>
+        </p:blipFill>
+        <p:spPr>
+          <a:xfrm>
+            <a:off x="1190464" y="1574892"/>
+            <a:ext cx="2372677" cy="1508536"/>
+          </a:xfrm>
+          <a:prstGeom prst="rect">
+            <a:avLst/>
+          </a:prstGeom>
+        </p:spPr>
+      </p:pic>
+      <p:sp>
+        <p:nvSpPr>
+          <p:cNvPr id="6" name="TextBox 5"/>
+          <p:cNvSpPr txBox="1"/>
+          <p:nvPr/>
+        </p:nvSpPr>
+        <p:spPr>
+          <a:xfrm>
+            <a:off x="1190464" y="3357113"/>
+            <a:ext cx="3830472" cy="584775"/>
+          </a:xfrm>
+          <a:prstGeom prst="rect">
+            <a:avLst/>
+          </a:prstGeom>
+          <a:noFill/>
+        </p:spPr>
+        <p:txBody>
+          <a:bodyPr wrap="none" rtlCol="0">
+            <a:spAutoFit/>
+          </a:bodyPr>
+          <a:lstStyle/>
+          <a:p>
+            <a:r>
+              <a:rPr lang="en-US" sz="1600" dirty="0" err="1" smtClean="0"/>
+              <a:t>Sequia</a:t>
+            </a:r>
+            <a:r>
+              <a:rPr lang="en-US" sz="1600" dirty="0" smtClean="0"/>
+              <a:t>: </a:t>
+            </a:r>
+            <a:r>
+              <a:rPr lang="en-US" sz="1600" dirty="0" err="1" smtClean="0"/>
+              <a:t>kubernetes</a:t>
+            </a:r>
+            <a:r>
+              <a:rPr lang="en-US" sz="1600" dirty="0" smtClean="0"/>
+              <a:t> (new </a:t>
+            </a:r>
+            <a:r>
+              <a:rPr lang="en-US" sz="1600" dirty="0" err="1" smtClean="0"/>
+              <a:t>vitualization</a:t>
+            </a:r>
+            <a:r>
+              <a:rPr lang="en-US" sz="1600" dirty="0" smtClean="0"/>
+              <a:t> 2027)</a:t>
+            </a:r>
+          </a:p>
+          <a:p>
+            <a:r>
+              <a:rPr lang="en-US" sz="1600" dirty="0"/>
+              <a:t> </a:t>
+            </a:r>
+            <a:r>
+              <a:rPr lang="en-US" sz="1600" dirty="0" smtClean="0"/>
+              <a:t> - AGANI: shell, java, j2EE</a:t>
+            </a:r>
+          </a:p>
+        </p:txBody>
+      </p:sp>
+    </p:spTree>
+    <p:extLst>
+      <p:ext uri="{BB962C8B-B14F-4D97-AF65-F5344CB8AC3E}">
+        <p14:creationId xmlns:p14="http://schemas.microsoft.com/office/powerpoint/2010/main" val="3348728114"/>
+      </p:ext>
+    </p:extLst>
+  </p:cSld>
+  <p:clrMapOvr>
+    <a:masterClrMapping/>
+  </p:clrMapOvr>
+</p:sld>
+</file>
+
 <file path=ppt/slides/slide2.xml><?xml version="1.0" encoding="utf-8"?>
 <p:sld xmlns:a="http://schemas.openxmlformats.org/drawingml/2006/main" xmlns:r="http://schemas.openxmlformats.org/officeDocument/2006/relationships" xmlns:p="http://schemas.openxmlformats.org/presentationml/2006/main">
   <p:cSld>
@@ -6013,6 +6185,532 @@
     <p:extLst>
       <p:ext uri="{BB962C8B-B14F-4D97-AF65-F5344CB8AC3E}">
         <p14:creationId xmlns:p14="http://schemas.microsoft.com/office/powerpoint/2010/main" val="4039913103"/>
+      </p:ext>
+    </p:extLst>
+  </p:cSld>
+  <p:clrMapOvr>
+    <a:masterClrMapping/>
+  </p:clrMapOvr>
+</p:sld>
+</file>
+
+<file path=ppt/slides/slide8.xml><?xml version="1.0" encoding="utf-8"?>
+<p:sld xmlns:a="http://schemas.openxmlformats.org/drawingml/2006/main" xmlns:r="http://schemas.openxmlformats.org/officeDocument/2006/relationships" xmlns:p="http://schemas.openxmlformats.org/presentationml/2006/main">
+  <p:cSld>
+    <p:spTree>
+      <p:nvGrpSpPr>
+        <p:cNvPr id="1" name=""/>
+        <p:cNvGrpSpPr/>
+        <p:nvPr/>
+      </p:nvGrpSpPr>
+      <p:grpSpPr>
+        <a:xfrm>
+          <a:off x="0" y="0"/>
+          <a:ext cx="0" cy="0"/>
+          <a:chOff x="0" y="0"/>
+          <a:chExt cx="0" cy="0"/>
+        </a:xfrm>
+      </p:grpSpPr>
+      <p:pic>
+        <p:nvPicPr>
+          <p:cNvPr id="4" name="Picture 3"/>
+          <p:cNvPicPr>
+            <a:picLocks noChangeAspect="1"/>
+          </p:cNvPicPr>
+          <p:nvPr/>
+        </p:nvPicPr>
+        <p:blipFill>
+          <a:blip r:embed="rId2"/>
+          <a:stretch>
+            <a:fillRect/>
+          </a:stretch>
+        </p:blipFill>
+        <p:spPr>
+          <a:xfrm>
+            <a:off x="-414338" y="2229205"/>
+            <a:ext cx="12192000" cy="4628795"/>
+          </a:xfrm>
+          <a:prstGeom prst="rect">
+            <a:avLst/>
+          </a:prstGeom>
+        </p:spPr>
+      </p:pic>
+    </p:spTree>
+    <p:extLst>
+      <p:ext uri="{BB962C8B-B14F-4D97-AF65-F5344CB8AC3E}">
+        <p14:creationId xmlns:p14="http://schemas.microsoft.com/office/powerpoint/2010/main" val="1394236452"/>
+      </p:ext>
+    </p:extLst>
+  </p:cSld>
+  <p:clrMapOvr>
+    <a:masterClrMapping/>
+  </p:clrMapOvr>
+</p:sld>
+</file>
+
+<file path=ppt/slides/slide9.xml><?xml version="1.0" encoding="utf-8"?>
+<p:sld xmlns:a="http://schemas.openxmlformats.org/drawingml/2006/main" xmlns:r="http://schemas.openxmlformats.org/officeDocument/2006/relationships" xmlns:p="http://schemas.openxmlformats.org/presentationml/2006/main">
+  <p:cSld>
+    <p:spTree>
+      <p:nvGrpSpPr>
+        <p:cNvPr id="1" name=""/>
+        <p:cNvGrpSpPr/>
+        <p:nvPr/>
+      </p:nvGrpSpPr>
+      <p:grpSpPr>
+        <a:xfrm>
+          <a:off x="0" y="0"/>
+          <a:ext cx="0" cy="0"/>
+          <a:chOff x="0" y="0"/>
+          <a:chExt cx="0" cy="0"/>
+        </a:xfrm>
+      </p:grpSpPr>
+      <p:sp>
+        <p:nvSpPr>
+          <p:cNvPr id="2" name="Title 1"/>
+          <p:cNvSpPr>
+            <a:spLocks noGrp="1"/>
+          </p:cNvSpPr>
+          <p:nvPr>
+            <p:ph type="title"/>
+          </p:nvPr>
+        </p:nvSpPr>
+        <p:spPr/>
+        <p:txBody>
+          <a:bodyPr/>
+          <a:lstStyle/>
+          <a:p>
+            <a:r>
+              <a:rPr lang="en-US" dirty="0" smtClean="0"/>
+              <a:t>BPM</a:t>
+            </a:r>
+            <a:endParaRPr lang="en-US" dirty="0"/>
+          </a:p>
+        </p:txBody>
+      </p:sp>
+      <p:pic>
+        <p:nvPicPr>
+          <p:cNvPr id="4" name="Picture 3"/>
+          <p:cNvPicPr>
+            <a:picLocks noChangeAspect="1"/>
+          </p:cNvPicPr>
+          <p:nvPr/>
+        </p:nvPicPr>
+        <p:blipFill>
+          <a:blip r:embed="rId2"/>
+          <a:stretch>
+            <a:fillRect/>
+          </a:stretch>
+        </p:blipFill>
+        <p:spPr>
+          <a:xfrm>
+            <a:off x="361762" y="4987248"/>
+            <a:ext cx="2695763" cy="1533738"/>
+          </a:xfrm>
+          <a:prstGeom prst="rect">
+            <a:avLst/>
+          </a:prstGeom>
+        </p:spPr>
+      </p:pic>
+      <p:pic>
+        <p:nvPicPr>
+          <p:cNvPr id="5" name="Picture 4"/>
+          <p:cNvPicPr>
+            <a:picLocks noChangeAspect="1"/>
+          </p:cNvPicPr>
+          <p:nvPr/>
+        </p:nvPicPr>
+        <p:blipFill>
+          <a:blip r:embed="rId3"/>
+          <a:stretch>
+            <a:fillRect/>
+          </a:stretch>
+        </p:blipFill>
+        <p:spPr>
+          <a:xfrm>
+            <a:off x="292892" y="3357336"/>
+            <a:ext cx="2895600" cy="1425338"/>
+          </a:xfrm>
+          <a:prstGeom prst="rect">
+            <a:avLst/>
+          </a:prstGeom>
+        </p:spPr>
+      </p:pic>
+      <p:pic>
+        <p:nvPicPr>
+          <p:cNvPr id="11" name="Picture 10"/>
+          <p:cNvPicPr>
+            <a:picLocks noChangeAspect="1"/>
+          </p:cNvPicPr>
+          <p:nvPr/>
+        </p:nvPicPr>
+        <p:blipFill>
+          <a:blip r:embed="rId4"/>
+          <a:stretch>
+            <a:fillRect/>
+          </a:stretch>
+        </p:blipFill>
+        <p:spPr>
+          <a:xfrm>
+            <a:off x="292892" y="1948817"/>
+            <a:ext cx="2895600" cy="1284576"/>
+          </a:xfrm>
+          <a:prstGeom prst="rect">
+            <a:avLst/>
+          </a:prstGeom>
+        </p:spPr>
+      </p:pic>
+      <p:pic>
+        <p:nvPicPr>
+          <p:cNvPr id="12" name="Picture 11"/>
+          <p:cNvPicPr>
+            <a:picLocks noChangeAspect="1"/>
+          </p:cNvPicPr>
+          <p:nvPr/>
+        </p:nvPicPr>
+        <p:blipFill>
+          <a:blip r:embed="rId2"/>
+          <a:stretch>
+            <a:fillRect/>
+          </a:stretch>
+        </p:blipFill>
+        <p:spPr>
+          <a:xfrm>
+            <a:off x="4669098" y="4987248"/>
+            <a:ext cx="2695763" cy="1533738"/>
+          </a:xfrm>
+          <a:prstGeom prst="rect">
+            <a:avLst/>
+          </a:prstGeom>
+        </p:spPr>
+      </p:pic>
+      <p:pic>
+        <p:nvPicPr>
+          <p:cNvPr id="13" name="Picture 12"/>
+          <p:cNvPicPr>
+            <a:picLocks noChangeAspect="1"/>
+          </p:cNvPicPr>
+          <p:nvPr/>
+        </p:nvPicPr>
+        <p:blipFill>
+          <a:blip r:embed="rId3"/>
+          <a:stretch>
+            <a:fillRect/>
+          </a:stretch>
+        </p:blipFill>
+        <p:spPr>
+          <a:xfrm>
+            <a:off x="4600228" y="3357336"/>
+            <a:ext cx="2895600" cy="1425338"/>
+          </a:xfrm>
+          <a:prstGeom prst="rect">
+            <a:avLst/>
+          </a:prstGeom>
+        </p:spPr>
+      </p:pic>
+      <p:pic>
+        <p:nvPicPr>
+          <p:cNvPr id="14" name="Picture 13"/>
+          <p:cNvPicPr>
+            <a:picLocks noChangeAspect="1"/>
+          </p:cNvPicPr>
+          <p:nvPr/>
+        </p:nvPicPr>
+        <p:blipFill>
+          <a:blip r:embed="rId4"/>
+          <a:stretch>
+            <a:fillRect/>
+          </a:stretch>
+        </p:blipFill>
+        <p:spPr>
+          <a:xfrm>
+            <a:off x="4600228" y="1948817"/>
+            <a:ext cx="2895600" cy="1284576"/>
+          </a:xfrm>
+          <a:prstGeom prst="rect">
+            <a:avLst/>
+          </a:prstGeom>
+        </p:spPr>
+      </p:pic>
+      <p:pic>
+        <p:nvPicPr>
+          <p:cNvPr id="10" name="Picture 9"/>
+          <p:cNvPicPr>
+            <a:picLocks noChangeAspect="1"/>
+          </p:cNvPicPr>
+          <p:nvPr/>
+        </p:nvPicPr>
+        <p:blipFill>
+          <a:blip r:embed="rId5">
+            <a:extLst>
+              <a:ext uri="{28A0092B-C50C-407E-A947-70E740481C1C}">
+                <a14:useLocalDpi xmlns:a14="http://schemas.microsoft.com/office/drawing/2010/main" val="0"/>
+              </a:ext>
+            </a:extLst>
+          </a:blip>
+          <a:stretch>
+            <a:fillRect/>
+          </a:stretch>
+        </p:blipFill>
+        <p:spPr>
+          <a:xfrm>
+            <a:off x="4377287" y="5544401"/>
+            <a:ext cx="1307234" cy="869905"/>
+          </a:xfrm>
+          <a:prstGeom prst="rect">
+            <a:avLst/>
+          </a:prstGeom>
+        </p:spPr>
+      </p:pic>
+      <p:pic>
+        <p:nvPicPr>
+          <p:cNvPr id="15" name="Picture 14"/>
+          <p:cNvPicPr>
+            <a:picLocks noChangeAspect="1"/>
+          </p:cNvPicPr>
+          <p:nvPr/>
+        </p:nvPicPr>
+        <p:blipFill>
+          <a:blip r:embed="rId2"/>
+          <a:stretch>
+            <a:fillRect/>
+          </a:stretch>
+        </p:blipFill>
+        <p:spPr>
+          <a:xfrm>
+            <a:off x="7411384" y="3453510"/>
+            <a:ext cx="2695763" cy="1533738"/>
+          </a:xfrm>
+          <a:prstGeom prst="rect">
+            <a:avLst/>
+          </a:prstGeom>
+        </p:spPr>
+      </p:pic>
+      <p:pic>
+        <p:nvPicPr>
+          <p:cNvPr id="16" name="Picture 15"/>
+          <p:cNvPicPr>
+            <a:picLocks noChangeAspect="1"/>
+          </p:cNvPicPr>
+          <p:nvPr/>
+        </p:nvPicPr>
+        <p:blipFill>
+          <a:blip r:embed="rId3"/>
+          <a:stretch>
+            <a:fillRect/>
+          </a:stretch>
+        </p:blipFill>
+        <p:spPr>
+          <a:xfrm>
+            <a:off x="7342514" y="1823598"/>
+            <a:ext cx="2895600" cy="1425338"/>
+          </a:xfrm>
+          <a:prstGeom prst="rect">
+            <a:avLst/>
+          </a:prstGeom>
+        </p:spPr>
+      </p:pic>
+      <p:pic>
+        <p:nvPicPr>
+          <p:cNvPr id="17" name="Picture 16"/>
+          <p:cNvPicPr>
+            <a:picLocks noChangeAspect="1"/>
+          </p:cNvPicPr>
+          <p:nvPr/>
+        </p:nvPicPr>
+        <p:blipFill>
+          <a:blip r:embed="rId4"/>
+          <a:stretch>
+            <a:fillRect/>
+          </a:stretch>
+        </p:blipFill>
+        <p:spPr>
+          <a:xfrm>
+            <a:off x="7342514" y="415079"/>
+            <a:ext cx="2895600" cy="1284576"/>
+          </a:xfrm>
+          <a:prstGeom prst="rect">
+            <a:avLst/>
+          </a:prstGeom>
+        </p:spPr>
+      </p:pic>
+      <p:pic>
+        <p:nvPicPr>
+          <p:cNvPr id="9" name="Picture 8"/>
+          <p:cNvPicPr>
+            <a:picLocks noChangeAspect="1"/>
+          </p:cNvPicPr>
+          <p:nvPr/>
+        </p:nvPicPr>
+        <p:blipFill>
+          <a:blip r:embed="rId6">
+            <a:extLst>
+              <a:ext uri="{28A0092B-C50C-407E-A947-70E740481C1C}">
+                <a14:useLocalDpi xmlns:a14="http://schemas.microsoft.com/office/drawing/2010/main" val="0"/>
+              </a:ext>
+            </a:extLst>
+          </a:blip>
+          <a:stretch>
+            <a:fillRect/>
+          </a:stretch>
+        </p:blipFill>
+        <p:spPr>
+          <a:xfrm>
+            <a:off x="7192272" y="3977653"/>
+            <a:ext cx="1555488" cy="1035106"/>
+          </a:xfrm>
+          <a:prstGeom prst="rect">
+            <a:avLst/>
+          </a:prstGeom>
+        </p:spPr>
+      </p:pic>
+      <p:pic>
+        <p:nvPicPr>
+          <p:cNvPr id="19" name="Picture 18"/>
+          <p:cNvPicPr>
+            <a:picLocks noChangeAspect="1"/>
+          </p:cNvPicPr>
+          <p:nvPr/>
+        </p:nvPicPr>
+        <p:blipFill>
+          <a:blip r:embed="rId2"/>
+          <a:stretch>
+            <a:fillRect/>
+          </a:stretch>
+        </p:blipFill>
+        <p:spPr>
+          <a:xfrm>
+            <a:off x="8640072" y="4010663"/>
+            <a:ext cx="2695763" cy="1533738"/>
+          </a:xfrm>
+          <a:prstGeom prst="rect">
+            <a:avLst/>
+          </a:prstGeom>
+        </p:spPr>
+      </p:pic>
+      <p:pic>
+        <p:nvPicPr>
+          <p:cNvPr id="20" name="Picture 19"/>
+          <p:cNvPicPr>
+            <a:picLocks noChangeAspect="1"/>
+          </p:cNvPicPr>
+          <p:nvPr/>
+        </p:nvPicPr>
+        <p:blipFill>
+          <a:blip r:embed="rId3"/>
+          <a:stretch>
+            <a:fillRect/>
+          </a:stretch>
+        </p:blipFill>
+        <p:spPr>
+          <a:xfrm>
+            <a:off x="8571202" y="2380751"/>
+            <a:ext cx="2895600" cy="1425338"/>
+          </a:xfrm>
+          <a:prstGeom prst="rect">
+            <a:avLst/>
+          </a:prstGeom>
+        </p:spPr>
+      </p:pic>
+      <p:pic>
+        <p:nvPicPr>
+          <p:cNvPr id="21" name="Picture 20"/>
+          <p:cNvPicPr>
+            <a:picLocks noChangeAspect="1"/>
+          </p:cNvPicPr>
+          <p:nvPr/>
+        </p:nvPicPr>
+        <p:blipFill>
+          <a:blip r:embed="rId4"/>
+          <a:stretch>
+            <a:fillRect/>
+          </a:stretch>
+        </p:blipFill>
+        <p:spPr>
+          <a:xfrm>
+            <a:off x="8571202" y="972232"/>
+            <a:ext cx="2895600" cy="1284576"/>
+          </a:xfrm>
+          <a:prstGeom prst="rect">
+            <a:avLst/>
+          </a:prstGeom>
+        </p:spPr>
+      </p:pic>
+      <p:pic>
+        <p:nvPicPr>
+          <p:cNvPr id="7" name="Content Placeholder 6"/>
+          <p:cNvPicPr>
+            <a:picLocks noGrp="1" noChangeAspect="1"/>
+          </p:cNvPicPr>
+          <p:nvPr>
+            <p:ph idx="1"/>
+          </p:nvPr>
+        </p:nvPicPr>
+        <p:blipFill>
+          <a:blip r:embed="rId7">
+            <a:extLst>
+              <a:ext uri="{28A0092B-C50C-407E-A947-70E740481C1C}">
+                <a14:useLocalDpi xmlns:a14="http://schemas.microsoft.com/office/drawing/2010/main" val="0"/>
+              </a:ext>
+            </a:extLst>
+          </a:blip>
+          <a:stretch>
+            <a:fillRect/>
+          </a:stretch>
+        </p:blipFill>
+        <p:spPr>
+          <a:xfrm>
+            <a:off x="8331603" y="4596633"/>
+            <a:ext cx="1374636" cy="914758"/>
+          </a:xfrm>
+        </p:spPr>
+      </p:pic>
+      <p:sp>
+        <p:nvSpPr>
+          <p:cNvPr id="23" name="TextBox 22"/>
+          <p:cNvSpPr txBox="1"/>
+          <p:nvPr/>
+        </p:nvSpPr>
+        <p:spPr>
+          <a:xfrm>
+            <a:off x="7651995" y="5979353"/>
+            <a:ext cx="4404539" cy="369332"/>
+          </a:xfrm>
+          <a:prstGeom prst="rect">
+            <a:avLst/>
+          </a:prstGeom>
+          <a:noFill/>
+        </p:spPr>
+        <p:txBody>
+          <a:bodyPr wrap="none" rtlCol="0">
+            <a:spAutoFit/>
+          </a:bodyPr>
+          <a:lstStyle/>
+          <a:p>
+            <a:r>
+              <a:rPr lang="en-US" strike="sngStrike" dirty="0" smtClean="0"/>
+              <a:t>Shell, java, j2ee</a:t>
+            </a:r>
+            <a:r>
+              <a:rPr lang="en-US" dirty="0" smtClean="0"/>
+              <a:t>, </a:t>
+            </a:r>
+            <a:r>
+              <a:rPr lang="en-US" dirty="0" err="1" smtClean="0"/>
+              <a:t>WebSerivce</a:t>
+            </a:r>
+            <a:r>
+              <a:rPr lang="en-US" dirty="0" smtClean="0"/>
+              <a:t>,, TP/F, Assembly</a:t>
+            </a:r>
+            <a:endParaRPr lang="en-US" dirty="0"/>
+          </a:p>
+        </p:txBody>
+      </p:sp>
+    </p:spTree>
+    <p:extLst>
+      <p:ext uri="{BB962C8B-B14F-4D97-AF65-F5344CB8AC3E}">
+        <p14:creationId xmlns:p14="http://schemas.microsoft.com/office/powerpoint/2010/main" val="1450403692"/>
       </p:ext>
     </p:extLst>
   </p:cSld>

--- a/docs/excel/nonPolicePresentation.pptx
+++ b/docs/excel/nonPolicePresentation.pptx
@@ -173,7 +173,6 @@
           </a:p>
         </c:rich>
       </c:tx>
-      <c:layout/>
       <c:overlay val="0"/>
       <c:spPr>
         <a:noFill/>
@@ -294,11 +293,11 @@
           <c:showBubbleSize val="0"/>
         </c:dLbls>
         <c:smooth val="0"/>
-        <c:axId val="1690260752"/>
-        <c:axId val="1690268912"/>
+        <c:axId val="-869982320"/>
+        <c:axId val="-869991024"/>
       </c:lineChart>
       <c:catAx>
-        <c:axId val="1690260752"/>
+        <c:axId val="-869982320"/>
         <c:scaling>
           <c:orientation val="minMax"/>
         </c:scaling>
@@ -341,7 +340,7 @@
             <a:endParaRPr lang="en-US"/>
           </a:p>
         </c:txPr>
-        <c:crossAx val="1690268912"/>
+        <c:crossAx val="-869991024"/>
         <c:crosses val="autoZero"/>
         <c:auto val="1"/>
         <c:lblAlgn val="ctr"/>
@@ -349,7 +348,7 @@
         <c:noMultiLvlLbl val="0"/>
       </c:catAx>
       <c:valAx>
-        <c:axId val="1690268912"/>
+        <c:axId val="-869991024"/>
         <c:scaling>
           <c:orientation val="minMax"/>
         </c:scaling>
@@ -400,7 +399,7 @@
             <a:endParaRPr lang="en-US"/>
           </a:p>
         </c:txPr>
-        <c:crossAx val="1690260752"/>
+        <c:crossAx val="-869982320"/>
         <c:crosses val="autoZero"/>
         <c:crossBetween val="between"/>
       </c:valAx>
@@ -491,7 +490,6 @@
           </a:p>
         </c:rich>
       </c:tx>
-      <c:layout/>
       <c:overlay val="0"/>
       <c:spPr>
         <a:noFill/>
@@ -612,11 +610,11 @@
           <c:showBubbleSize val="0"/>
         </c:dLbls>
         <c:smooth val="0"/>
-        <c:axId val="1500514000"/>
-        <c:axId val="1706214000"/>
+        <c:axId val="-869993744"/>
+        <c:axId val="-869985584"/>
       </c:lineChart>
       <c:catAx>
-        <c:axId val="1500514000"/>
+        <c:axId val="-869993744"/>
         <c:scaling>
           <c:orientation val="minMax"/>
         </c:scaling>
@@ -659,7 +657,7 @@
             <a:endParaRPr lang="en-US"/>
           </a:p>
         </c:txPr>
-        <c:crossAx val="1706214000"/>
+        <c:crossAx val="-869985584"/>
         <c:crosses val="autoZero"/>
         <c:auto val="1"/>
         <c:lblAlgn val="ctr"/>
@@ -667,7 +665,7 @@
         <c:noMultiLvlLbl val="0"/>
       </c:catAx>
       <c:valAx>
-        <c:axId val="1706214000"/>
+        <c:axId val="-869985584"/>
         <c:scaling>
           <c:orientation val="minMax"/>
         </c:scaling>
@@ -718,7 +716,7 @@
             <a:endParaRPr lang="en-US"/>
           </a:p>
         </c:txPr>
-        <c:crossAx val="1500514000"/>
+        <c:crossAx val="-869993744"/>
         <c:crosses val="autoZero"/>
         <c:crossBetween val="between"/>
       </c:valAx>
@@ -4903,7 +4901,7 @@
         <p:spPr>
           <a:xfrm>
             <a:off x="1190464" y="3357113"/>
-            <a:ext cx="3830472" cy="584775"/>
+            <a:ext cx="3939476" cy="584775"/>
           </a:xfrm>
           <a:prstGeom prst="rect">
             <a:avLst/>
@@ -4917,12 +4915,8 @@
           <a:lstStyle/>
           <a:p>
             <a:r>
-              <a:rPr lang="en-US" sz="1600" dirty="0" err="1" smtClean="0"/>
-              <a:t>Sequia</a:t>
-            </a:r>
-            <a:r>
               <a:rPr lang="en-US" sz="1600" dirty="0" smtClean="0"/>
-              <a:t>: </a:t>
+              <a:t>Sequoia: </a:t>
             </a:r>
             <a:r>
               <a:rPr lang="en-US" sz="1600" dirty="0" err="1" smtClean="0"/>
@@ -4950,6 +4944,392 @@
               <a:rPr lang="en-US" sz="1600" dirty="0" smtClean="0"/>
               <a:t> - AGANI: shell, java, j2EE</a:t>
             </a:r>
+          </a:p>
+        </p:txBody>
+      </p:sp>
+      <p:pic>
+        <p:nvPicPr>
+          <p:cNvPr id="12" name="Picture 11"/>
+          <p:cNvPicPr>
+            <a:picLocks noChangeAspect="1"/>
+          </p:cNvPicPr>
+          <p:nvPr/>
+        </p:nvPicPr>
+        <p:blipFill>
+          <a:blip r:embed="rId4">
+            <a:extLst>
+              <a:ext uri="{28A0092B-C50C-407E-A947-70E740481C1C}">
+                <a14:useLocalDpi xmlns:a14="http://schemas.microsoft.com/office/drawing/2010/main" val="0"/>
+              </a:ext>
+            </a:extLst>
+          </a:blip>
+          <a:stretch>
+            <a:fillRect/>
+          </a:stretch>
+        </p:blipFill>
+        <p:spPr>
+          <a:xfrm>
+            <a:off x="2434429" y="4868617"/>
+            <a:ext cx="3594928" cy="1143000"/>
+          </a:xfrm>
+          <a:prstGeom prst="rect">
+            <a:avLst/>
+          </a:prstGeom>
+        </p:spPr>
+      </p:pic>
+      <p:pic>
+        <p:nvPicPr>
+          <p:cNvPr id="11" name="Picture 10"/>
+          <p:cNvPicPr>
+            <a:picLocks noChangeAspect="1"/>
+          </p:cNvPicPr>
+          <p:nvPr/>
+        </p:nvPicPr>
+        <p:blipFill>
+          <a:blip r:embed="rId5">
+            <a:extLst>
+              <a:ext uri="{28A0092B-C50C-407E-A947-70E740481C1C}">
+                <a14:useLocalDpi xmlns:a14="http://schemas.microsoft.com/office/drawing/2010/main" val="0"/>
+              </a:ext>
+            </a:extLst>
+          </a:blip>
+          <a:stretch>
+            <a:fillRect/>
+          </a:stretch>
+        </p:blipFill>
+        <p:spPr>
+          <a:xfrm>
+            <a:off x="596072" y="4601920"/>
+            <a:ext cx="2781300" cy="1647825"/>
+          </a:xfrm>
+          <a:prstGeom prst="rect">
+            <a:avLst/>
+          </a:prstGeom>
+        </p:spPr>
+      </p:pic>
+      <p:pic>
+        <p:nvPicPr>
+          <p:cNvPr id="13" name="Picture 12"/>
+          <p:cNvPicPr>
+            <a:picLocks noChangeAspect="1"/>
+          </p:cNvPicPr>
+          <p:nvPr/>
+        </p:nvPicPr>
+        <p:blipFill>
+          <a:blip r:embed="rId6">
+            <a:extLst>
+              <a:ext uri="{28A0092B-C50C-407E-A947-70E740481C1C}">
+                <a14:useLocalDpi xmlns:a14="http://schemas.microsoft.com/office/drawing/2010/main" val="0"/>
+              </a:ext>
+            </a:extLst>
+          </a:blip>
+          <a:stretch>
+            <a:fillRect/>
+          </a:stretch>
+        </p:blipFill>
+        <p:spPr>
+          <a:xfrm>
+            <a:off x="5506659" y="6016964"/>
+            <a:ext cx="1438229" cy="719115"/>
+          </a:xfrm>
+          <a:prstGeom prst="rect">
+            <a:avLst/>
+          </a:prstGeom>
+        </p:spPr>
+      </p:pic>
+      <p:cxnSp>
+        <p:nvCxnSpPr>
+          <p:cNvPr id="15" name="Straight Connector 14"/>
+          <p:cNvCxnSpPr/>
+          <p:nvPr/>
+        </p:nvCxnSpPr>
+        <p:spPr>
+          <a:xfrm>
+            <a:off x="5638800" y="6011617"/>
+            <a:ext cx="1306088" cy="724462"/>
+          </a:xfrm>
+          <a:prstGeom prst="line">
+            <a:avLst/>
+          </a:prstGeom>
+        </p:spPr>
+        <p:style>
+          <a:lnRef idx="1">
+            <a:schemeClr val="accent1"/>
+          </a:lnRef>
+          <a:fillRef idx="0">
+            <a:schemeClr val="accent1"/>
+          </a:fillRef>
+          <a:effectRef idx="0">
+            <a:schemeClr val="accent1"/>
+          </a:effectRef>
+          <a:fontRef idx="minor">
+            <a:schemeClr val="tx1"/>
+          </a:fontRef>
+        </p:style>
+      </p:cxnSp>
+      <p:sp>
+        <p:nvSpPr>
+          <p:cNvPr id="19" name="Rectangle 18"/>
+          <p:cNvSpPr/>
+          <p:nvPr/>
+        </p:nvSpPr>
+        <p:spPr>
+          <a:xfrm>
+            <a:off x="5587878" y="4793786"/>
+            <a:ext cx="6096000" cy="646331"/>
+          </a:xfrm>
+          <a:prstGeom prst="rect">
+            <a:avLst/>
+          </a:prstGeom>
+        </p:spPr>
+        <p:txBody>
+          <a:bodyPr>
+            <a:spAutoFit/>
+          </a:bodyPr>
+          <a:lstStyle/>
+          <a:p>
+            <a:r>
+              <a:rPr lang="en-US" dirty="0"/>
+              <a:t>https://www.ibm.com/products/z-transaction-processing-facility</a:t>
+            </a:r>
+          </a:p>
+        </p:txBody>
+      </p:sp>
+      <p:pic>
+        <p:nvPicPr>
+          <p:cNvPr id="20" name="Picture 19"/>
+          <p:cNvPicPr>
+            <a:picLocks noChangeAspect="1"/>
+          </p:cNvPicPr>
+          <p:nvPr/>
+        </p:nvPicPr>
+        <p:blipFill>
+          <a:blip r:embed="rId7"/>
+          <a:stretch>
+            <a:fillRect/>
+          </a:stretch>
+        </p:blipFill>
+        <p:spPr>
+          <a:xfrm>
+            <a:off x="5595731" y="4630489"/>
+            <a:ext cx="1000848" cy="1123947"/>
+          </a:xfrm>
+          <a:prstGeom prst="rect">
+            <a:avLst/>
+          </a:prstGeom>
+        </p:spPr>
+      </p:pic>
+      <p:pic>
+        <p:nvPicPr>
+          <p:cNvPr id="21" name="Picture 20"/>
+          <p:cNvPicPr>
+            <a:picLocks noChangeAspect="1"/>
+          </p:cNvPicPr>
+          <p:nvPr/>
+        </p:nvPicPr>
+        <p:blipFill>
+          <a:blip r:embed="rId8" cstate="print">
+            <a:extLst>
+              <a:ext uri="{28A0092B-C50C-407E-A947-70E740481C1C}">
+                <a14:useLocalDpi xmlns:a14="http://schemas.microsoft.com/office/drawing/2010/main" val="0"/>
+              </a:ext>
+            </a:extLst>
+          </a:blip>
+          <a:stretch>
+            <a:fillRect/>
+          </a:stretch>
+        </p:blipFill>
+        <p:spPr>
+          <a:xfrm>
+            <a:off x="1677353" y="4149698"/>
+            <a:ext cx="757076" cy="674370"/>
+          </a:xfrm>
+          <a:prstGeom prst="rect">
+            <a:avLst/>
+          </a:prstGeom>
+        </p:spPr>
+      </p:pic>
+      <p:pic>
+        <p:nvPicPr>
+          <p:cNvPr id="22" name="Picture 21"/>
+          <p:cNvPicPr>
+            <a:picLocks noChangeAspect="1"/>
+          </p:cNvPicPr>
+          <p:nvPr/>
+        </p:nvPicPr>
+        <p:blipFill>
+          <a:blip r:embed="rId8" cstate="print">
+            <a:extLst>
+              <a:ext uri="{28A0092B-C50C-407E-A947-70E740481C1C}">
+                <a14:useLocalDpi xmlns:a14="http://schemas.microsoft.com/office/drawing/2010/main" val="0"/>
+              </a:ext>
+            </a:extLst>
+          </a:blip>
+          <a:stretch>
+            <a:fillRect/>
+          </a:stretch>
+        </p:blipFill>
+        <p:spPr>
+          <a:xfrm>
+            <a:off x="3859591" y="4171973"/>
+            <a:ext cx="757076" cy="674370"/>
+          </a:xfrm>
+          <a:prstGeom prst="rect">
+            <a:avLst/>
+          </a:prstGeom>
+        </p:spPr>
+      </p:pic>
+      <p:pic>
+        <p:nvPicPr>
+          <p:cNvPr id="23" name="Picture 22"/>
+          <p:cNvPicPr>
+            <a:picLocks noChangeAspect="1"/>
+          </p:cNvPicPr>
+          <p:nvPr/>
+        </p:nvPicPr>
+        <p:blipFill>
+          <a:blip r:embed="rId8" cstate="print">
+            <a:extLst>
+              <a:ext uri="{28A0092B-C50C-407E-A947-70E740481C1C}">
+                <a14:useLocalDpi xmlns:a14="http://schemas.microsoft.com/office/drawing/2010/main" val="0"/>
+              </a:ext>
+            </a:extLst>
+          </a:blip>
+          <a:stretch>
+            <a:fillRect/>
+          </a:stretch>
+        </p:blipFill>
+        <p:spPr>
+          <a:xfrm>
+            <a:off x="4881724" y="5829267"/>
+            <a:ext cx="757076" cy="674370"/>
+          </a:xfrm>
+          <a:prstGeom prst="rect">
+            <a:avLst/>
+          </a:prstGeom>
+        </p:spPr>
+      </p:pic>
+      <p:pic>
+        <p:nvPicPr>
+          <p:cNvPr id="24" name="Picture 23"/>
+          <p:cNvPicPr>
+            <a:picLocks noChangeAspect="1"/>
+          </p:cNvPicPr>
+          <p:nvPr/>
+        </p:nvPicPr>
+        <p:blipFill>
+          <a:blip r:embed="rId9">
+            <a:extLst>
+              <a:ext uri="{28A0092B-C50C-407E-A947-70E740481C1C}">
+                <a14:useLocalDpi xmlns:a14="http://schemas.microsoft.com/office/drawing/2010/main" val="0"/>
+              </a:ext>
+            </a:extLst>
+          </a:blip>
+          <a:stretch>
+            <a:fillRect/>
+          </a:stretch>
+        </p:blipFill>
+        <p:spPr>
+          <a:xfrm>
+            <a:off x="2278510" y="6095816"/>
+            <a:ext cx="1490630" cy="842530"/>
+          </a:xfrm>
+          <a:prstGeom prst="rect">
+            <a:avLst/>
+          </a:prstGeom>
+        </p:spPr>
+      </p:pic>
+      <p:pic>
+        <p:nvPicPr>
+          <p:cNvPr id="25" name="Picture 24"/>
+          <p:cNvPicPr>
+            <a:picLocks noChangeAspect="1"/>
+          </p:cNvPicPr>
+          <p:nvPr/>
+        </p:nvPicPr>
+        <p:blipFill>
+          <a:blip r:embed="rId8" cstate="print">
+            <a:extLst>
+              <a:ext uri="{28A0092B-C50C-407E-A947-70E740481C1C}">
+                <a14:useLocalDpi xmlns:a14="http://schemas.microsoft.com/office/drawing/2010/main" val="0"/>
+              </a:ext>
+            </a:extLst>
+          </a:blip>
+          <a:stretch>
+            <a:fillRect/>
+          </a:stretch>
+        </p:blipFill>
+        <p:spPr>
+          <a:xfrm>
+            <a:off x="2781664" y="5330028"/>
+            <a:ext cx="757076" cy="674370"/>
+          </a:xfrm>
+          <a:prstGeom prst="rect">
+            <a:avLst/>
+          </a:prstGeom>
+        </p:spPr>
+      </p:pic>
+      <p:sp>
+        <p:nvSpPr>
+          <p:cNvPr id="26" name="Rectangle 25"/>
+          <p:cNvSpPr/>
+          <p:nvPr/>
+        </p:nvSpPr>
+        <p:spPr>
+          <a:xfrm>
+            <a:off x="112202" y="6462367"/>
+            <a:ext cx="6096000" cy="646331"/>
+          </a:xfrm>
+          <a:prstGeom prst="rect">
+            <a:avLst/>
+          </a:prstGeom>
+        </p:spPr>
+        <p:txBody>
+          <a:bodyPr>
+            <a:spAutoFit/>
+          </a:bodyPr>
+          <a:lstStyle/>
+          <a:p>
+            <a:r>
+              <a:rPr lang="en-US" dirty="0"/>
+              <a:t>https://www.ibm.com/docs/en/cics-tx/10.1.0?topic=cloud-install-cics-tx-docker-image</a:t>
+            </a:r>
+          </a:p>
+        </p:txBody>
+      </p:sp>
+      <p:sp>
+        <p:nvSpPr>
+          <p:cNvPr id="27" name="TextBox 26"/>
+          <p:cNvSpPr txBox="1"/>
+          <p:nvPr/>
+        </p:nvSpPr>
+        <p:spPr>
+          <a:xfrm>
+            <a:off x="7867714" y="5667213"/>
+            <a:ext cx="3262753" cy="646331"/>
+          </a:xfrm>
+          <a:prstGeom prst="rect">
+            <a:avLst/>
+          </a:prstGeom>
+          <a:noFill/>
+        </p:spPr>
+        <p:txBody>
+          <a:bodyPr wrap="none" rtlCol="0">
+            <a:spAutoFit/>
+          </a:bodyPr>
+          <a:lstStyle/>
+          <a:p>
+            <a:r>
+              <a:rPr lang="en-US" dirty="0" smtClean="0"/>
+              <a:t>Federal Bank: Mr. Mann (Library)</a:t>
+            </a:r>
+          </a:p>
+          <a:p>
+            <a:r>
+              <a:rPr lang="en-US" dirty="0" smtClean="0"/>
+              <a:t>Retail: Visa</a:t>
+            </a:r>
+            <a:endParaRPr lang="en-US" dirty="0"/>
           </a:p>
         </p:txBody>
       </p:sp>
@@ -6054,6 +6434,18 @@
               <a:rPr lang="en-US" dirty="0" smtClean="0"/>
               <a:t>Java: </a:t>
             </a:r>
+          </a:p>
+          <a:p>
+            <a:pPr lvl="1"/>
+            <a:r>
+              <a:rPr lang="en-US" dirty="0" smtClean="0"/>
+              <a:t>Files, Servers(tomcat), </a:t>
+            </a:r>
+            <a:r>
+              <a:rPr lang="en-US" dirty="0" err="1" smtClean="0"/>
+              <a:t>proects</a:t>
+            </a:r>
+            <a:endParaRPr lang="en-US" dirty="0" smtClean="0"/>
           </a:p>
           <a:p>
             <a:r>
@@ -6702,6 +7094,444 @@
             <a:r>
               <a:rPr lang="en-US" dirty="0" smtClean="0"/>
               <a:t>,, TP/F, Assembly</a:t>
+            </a:r>
+            <a:endParaRPr lang="en-US" dirty="0"/>
+          </a:p>
+        </p:txBody>
+      </p:sp>
+      <p:pic>
+        <p:nvPicPr>
+          <p:cNvPr id="3" name="Picture 2"/>
+          <p:cNvPicPr>
+            <a:picLocks noChangeAspect="1"/>
+          </p:cNvPicPr>
+          <p:nvPr/>
+        </p:nvPicPr>
+        <p:blipFill>
+          <a:blip r:embed="rId8"/>
+          <a:stretch>
+            <a:fillRect/>
+          </a:stretch>
+        </p:blipFill>
+        <p:spPr>
+          <a:xfrm>
+            <a:off x="1067803" y="1483815"/>
+            <a:ext cx="3321531" cy="1668947"/>
+          </a:xfrm>
+          <a:prstGeom prst="rect">
+            <a:avLst/>
+          </a:prstGeom>
+        </p:spPr>
+      </p:pic>
+      <p:pic>
+        <p:nvPicPr>
+          <p:cNvPr id="24" name="Picture 23"/>
+          <p:cNvPicPr>
+            <a:picLocks noChangeAspect="1"/>
+          </p:cNvPicPr>
+          <p:nvPr/>
+        </p:nvPicPr>
+        <p:blipFill>
+          <a:blip r:embed="rId8"/>
+          <a:stretch>
+            <a:fillRect/>
+          </a:stretch>
+        </p:blipFill>
+        <p:spPr>
+          <a:xfrm>
+            <a:off x="4874829" y="1436231"/>
+            <a:ext cx="3321531" cy="1668947"/>
+          </a:xfrm>
+          <a:prstGeom prst="rect">
+            <a:avLst/>
+          </a:prstGeom>
+        </p:spPr>
+      </p:pic>
+      <p:pic>
+        <p:nvPicPr>
+          <p:cNvPr id="25" name="Picture 24"/>
+          <p:cNvPicPr>
+            <a:picLocks noChangeAspect="1"/>
+          </p:cNvPicPr>
+          <p:nvPr/>
+        </p:nvPicPr>
+        <p:blipFill>
+          <a:blip r:embed="rId8"/>
+          <a:stretch>
+            <a:fillRect/>
+          </a:stretch>
+        </p:blipFill>
+        <p:spPr>
+          <a:xfrm>
+            <a:off x="5312319" y="-124313"/>
+            <a:ext cx="3321531" cy="1668947"/>
+          </a:xfrm>
+          <a:prstGeom prst="rect">
+            <a:avLst/>
+          </a:prstGeom>
+        </p:spPr>
+      </p:pic>
+      <p:pic>
+        <p:nvPicPr>
+          <p:cNvPr id="26" name="Picture 25"/>
+          <p:cNvPicPr>
+            <a:picLocks noChangeAspect="1"/>
+          </p:cNvPicPr>
+          <p:nvPr/>
+        </p:nvPicPr>
+        <p:blipFill>
+          <a:blip r:embed="rId8"/>
+          <a:stretch>
+            <a:fillRect/>
+          </a:stretch>
+        </p:blipFill>
+        <p:spPr>
+          <a:xfrm>
+            <a:off x="9348948" y="587861"/>
+            <a:ext cx="3321531" cy="1668947"/>
+          </a:xfrm>
+          <a:prstGeom prst="rect">
+            <a:avLst/>
+          </a:prstGeom>
+        </p:spPr>
+      </p:pic>
+      <p:pic>
+        <p:nvPicPr>
+          <p:cNvPr id="8" name="Picture 7"/>
+          <p:cNvPicPr>
+            <a:picLocks noChangeAspect="1"/>
+          </p:cNvPicPr>
+          <p:nvPr/>
+        </p:nvPicPr>
+        <p:blipFill>
+          <a:blip r:embed="rId9"/>
+          <a:stretch>
+            <a:fillRect/>
+          </a:stretch>
+        </p:blipFill>
+        <p:spPr>
+          <a:xfrm>
+            <a:off x="1832064" y="1106425"/>
+            <a:ext cx="2481204" cy="1431020"/>
+          </a:xfrm>
+          <a:prstGeom prst="rect">
+            <a:avLst/>
+          </a:prstGeom>
+        </p:spPr>
+      </p:pic>
+      <p:pic>
+        <p:nvPicPr>
+          <p:cNvPr id="27" name="Picture 26"/>
+          <p:cNvPicPr>
+            <a:picLocks noChangeAspect="1"/>
+          </p:cNvPicPr>
+          <p:nvPr/>
+        </p:nvPicPr>
+        <p:blipFill>
+          <a:blip r:embed="rId9"/>
+          <a:stretch>
+            <a:fillRect/>
+          </a:stretch>
+        </p:blipFill>
+        <p:spPr>
+          <a:xfrm>
+            <a:off x="5792370" y="1030527"/>
+            <a:ext cx="2481204" cy="1431020"/>
+          </a:xfrm>
+          <a:prstGeom prst="rect">
+            <a:avLst/>
+          </a:prstGeom>
+        </p:spPr>
+      </p:pic>
+      <p:pic>
+        <p:nvPicPr>
+          <p:cNvPr id="28" name="Picture 27"/>
+          <p:cNvPicPr>
+            <a:picLocks noChangeAspect="1"/>
+          </p:cNvPicPr>
+          <p:nvPr/>
+        </p:nvPicPr>
+        <p:blipFill>
+          <a:blip r:embed="rId9"/>
+          <a:stretch>
+            <a:fillRect/>
+          </a:stretch>
+        </p:blipFill>
+        <p:spPr>
+          <a:xfrm>
+            <a:off x="6590136" y="-350385"/>
+            <a:ext cx="2481204" cy="1431020"/>
+          </a:xfrm>
+          <a:prstGeom prst="rect">
+            <a:avLst/>
+          </a:prstGeom>
+        </p:spPr>
+      </p:pic>
+      <p:pic>
+        <p:nvPicPr>
+          <p:cNvPr id="29" name="Picture 28"/>
+          <p:cNvPicPr>
+            <a:picLocks noChangeAspect="1"/>
+          </p:cNvPicPr>
+          <p:nvPr/>
+        </p:nvPicPr>
+        <p:blipFill>
+          <a:blip r:embed="rId9"/>
+          <a:stretch>
+            <a:fillRect/>
+          </a:stretch>
+        </p:blipFill>
+        <p:spPr>
+          <a:xfrm>
+            <a:off x="9911667" y="163118"/>
+            <a:ext cx="2481204" cy="1431020"/>
+          </a:xfrm>
+          <a:prstGeom prst="rect">
+            <a:avLst/>
+          </a:prstGeom>
+        </p:spPr>
+      </p:pic>
+      <p:sp>
+        <p:nvSpPr>
+          <p:cNvPr id="18" name="TextBox 17"/>
+          <p:cNvSpPr txBox="1"/>
+          <p:nvPr/>
+        </p:nvSpPr>
+        <p:spPr>
+          <a:xfrm>
+            <a:off x="224592" y="1608309"/>
+            <a:ext cx="4407489" cy="369332"/>
+          </a:xfrm>
+          <a:prstGeom prst="rect">
+            <a:avLst/>
+          </a:prstGeom>
+          <a:noFill/>
+        </p:spPr>
+        <p:txBody>
+          <a:bodyPr wrap="none" rtlCol="0">
+            <a:spAutoFit/>
+          </a:bodyPr>
+          <a:lstStyle/>
+          <a:p>
+            <a:r>
+              <a:rPr lang="en-US" dirty="0" smtClean="0"/>
+              <a:t>Service </a:t>
+            </a:r>
+            <a:r>
+              <a:rPr lang="en-US" dirty="0" err="1" smtClean="0"/>
+              <a:t>catleog</a:t>
+            </a:r>
+            <a:r>
+              <a:rPr lang="en-US" dirty="0" smtClean="0"/>
+              <a:t>/</a:t>
+            </a:r>
+            <a:r>
+              <a:rPr lang="en-US" dirty="0" err="1" smtClean="0"/>
+              <a:t>Employe</a:t>
+            </a:r>
+            <a:r>
+              <a:rPr lang="en-US" dirty="0" smtClean="0"/>
+              <a:t>/</a:t>
+            </a:r>
+            <a:r>
+              <a:rPr lang="en-US" dirty="0" err="1" smtClean="0"/>
+              <a:t>Conultant</a:t>
+            </a:r>
+            <a:r>
+              <a:rPr lang="en-US" dirty="0" smtClean="0"/>
+              <a:t>/Business</a:t>
+            </a:r>
+            <a:endParaRPr lang="en-US" dirty="0"/>
+          </a:p>
+        </p:txBody>
+      </p:sp>
+      <p:sp>
+        <p:nvSpPr>
+          <p:cNvPr id="30" name="TextBox 29"/>
+          <p:cNvSpPr txBox="1"/>
+          <p:nvPr/>
+        </p:nvSpPr>
+        <p:spPr>
+          <a:xfrm>
+            <a:off x="5084014" y="187125"/>
+            <a:ext cx="4407489" cy="369332"/>
+          </a:xfrm>
+          <a:prstGeom prst="rect">
+            <a:avLst/>
+          </a:prstGeom>
+          <a:noFill/>
+        </p:spPr>
+        <p:txBody>
+          <a:bodyPr wrap="none" rtlCol="0">
+            <a:spAutoFit/>
+          </a:bodyPr>
+          <a:lstStyle/>
+          <a:p>
+            <a:r>
+              <a:rPr lang="en-US" dirty="0" smtClean="0"/>
+              <a:t>Service </a:t>
+            </a:r>
+            <a:r>
+              <a:rPr lang="en-US" dirty="0" err="1" smtClean="0"/>
+              <a:t>catleog</a:t>
+            </a:r>
+            <a:r>
+              <a:rPr lang="en-US" dirty="0" smtClean="0"/>
+              <a:t>/</a:t>
+            </a:r>
+            <a:r>
+              <a:rPr lang="en-US" dirty="0" err="1" smtClean="0"/>
+              <a:t>Employe</a:t>
+            </a:r>
+            <a:r>
+              <a:rPr lang="en-US" dirty="0" smtClean="0"/>
+              <a:t>/</a:t>
+            </a:r>
+            <a:r>
+              <a:rPr lang="en-US" dirty="0" err="1" smtClean="0"/>
+              <a:t>Conultant</a:t>
+            </a:r>
+            <a:r>
+              <a:rPr lang="en-US" dirty="0" smtClean="0"/>
+              <a:t>/Business</a:t>
+            </a:r>
+            <a:endParaRPr lang="en-US" dirty="0"/>
+          </a:p>
+        </p:txBody>
+      </p:sp>
+      <p:sp>
+        <p:nvSpPr>
+          <p:cNvPr id="31" name="TextBox 30"/>
+          <p:cNvSpPr txBox="1"/>
+          <p:nvPr/>
+        </p:nvSpPr>
+        <p:spPr>
+          <a:xfrm>
+            <a:off x="4394927" y="1438723"/>
+            <a:ext cx="4407489" cy="369332"/>
+          </a:xfrm>
+          <a:prstGeom prst="rect">
+            <a:avLst/>
+          </a:prstGeom>
+          <a:noFill/>
+        </p:spPr>
+        <p:txBody>
+          <a:bodyPr wrap="none" rtlCol="0">
+            <a:spAutoFit/>
+          </a:bodyPr>
+          <a:lstStyle/>
+          <a:p>
+            <a:r>
+              <a:rPr lang="en-US" dirty="0" smtClean="0"/>
+              <a:t>Service </a:t>
+            </a:r>
+            <a:r>
+              <a:rPr lang="en-US" dirty="0" err="1" smtClean="0"/>
+              <a:t>catleog</a:t>
+            </a:r>
+            <a:r>
+              <a:rPr lang="en-US" dirty="0" smtClean="0"/>
+              <a:t>/</a:t>
+            </a:r>
+            <a:r>
+              <a:rPr lang="en-US" dirty="0" err="1" smtClean="0"/>
+              <a:t>Employe</a:t>
+            </a:r>
+            <a:r>
+              <a:rPr lang="en-US" dirty="0" smtClean="0"/>
+              <a:t>/</a:t>
+            </a:r>
+            <a:r>
+              <a:rPr lang="en-US" dirty="0" err="1" smtClean="0"/>
+              <a:t>Conultant</a:t>
+            </a:r>
+            <a:r>
+              <a:rPr lang="en-US" dirty="0" smtClean="0"/>
+              <a:t>/Business</a:t>
+            </a:r>
+            <a:endParaRPr lang="en-US" dirty="0"/>
+          </a:p>
+        </p:txBody>
+      </p:sp>
+      <p:sp>
+        <p:nvSpPr>
+          <p:cNvPr id="32" name="TextBox 31"/>
+          <p:cNvSpPr txBox="1"/>
+          <p:nvPr/>
+        </p:nvSpPr>
+        <p:spPr>
+          <a:xfrm>
+            <a:off x="7445836" y="887855"/>
+            <a:ext cx="4407489" cy="369332"/>
+          </a:xfrm>
+          <a:prstGeom prst="rect">
+            <a:avLst/>
+          </a:prstGeom>
+          <a:noFill/>
+        </p:spPr>
+        <p:txBody>
+          <a:bodyPr wrap="none" rtlCol="0">
+            <a:spAutoFit/>
+          </a:bodyPr>
+          <a:lstStyle/>
+          <a:p>
+            <a:r>
+              <a:rPr lang="en-US" dirty="0" smtClean="0"/>
+              <a:t>Service </a:t>
+            </a:r>
+            <a:r>
+              <a:rPr lang="en-US" dirty="0" err="1" smtClean="0"/>
+              <a:t>catleog</a:t>
+            </a:r>
+            <a:r>
+              <a:rPr lang="en-US" dirty="0" smtClean="0"/>
+              <a:t>/</a:t>
+            </a:r>
+            <a:r>
+              <a:rPr lang="en-US" dirty="0" err="1" smtClean="0"/>
+              <a:t>Employe</a:t>
+            </a:r>
+            <a:r>
+              <a:rPr lang="en-US" dirty="0" smtClean="0"/>
+              <a:t>/</a:t>
+            </a:r>
+            <a:r>
+              <a:rPr lang="en-US" dirty="0" err="1" smtClean="0"/>
+              <a:t>Conultant</a:t>
+            </a:r>
+            <a:r>
+              <a:rPr lang="en-US" dirty="0" smtClean="0"/>
+              <a:t>/Business</a:t>
+            </a:r>
+            <a:endParaRPr lang="en-US" dirty="0"/>
+          </a:p>
+        </p:txBody>
+      </p:sp>
+      <p:sp>
+        <p:nvSpPr>
+          <p:cNvPr id="33" name="TextBox 32"/>
+          <p:cNvSpPr txBox="1"/>
+          <p:nvPr/>
+        </p:nvSpPr>
+        <p:spPr>
+          <a:xfrm>
+            <a:off x="2813554" y="415079"/>
+            <a:ext cx="1109150" cy="369332"/>
+          </a:xfrm>
+          <a:prstGeom prst="rect">
+            <a:avLst/>
+          </a:prstGeom>
+          <a:noFill/>
+        </p:spPr>
+        <p:txBody>
+          <a:bodyPr wrap="none" rtlCol="0">
+            <a:spAutoFit/>
+          </a:bodyPr>
+          <a:lstStyle/>
+          <a:p>
+            <a:r>
+              <a:rPr lang="en-US" dirty="0" err="1" smtClean="0"/>
+              <a:t>Uddi,wssr</a:t>
             </a:r>
             <a:endParaRPr lang="en-US" dirty="0"/>
           </a:p>
